--- a/猫と僕たち.pptx
+++ b/猫と僕たち.pptx
@@ -106,6 +106,11 @@
       </a:defRPr>
     </a:lvl9pPr>
   </p:defaultTextStyle>
+  <p:extLst>
+    <p:ext uri="{EFAFB233-063F-42B5-8137-9DF3F51BA10A}">
+      <p15:sldGuideLst xmlns:p15="http://schemas.microsoft.com/office/powerpoint/2012/main"/>
+    </p:ext>
+  </p:extLst>
 </p:presentation>
 </file>
 
@@ -256,7 +261,7 @@
           <a:p>
             <a:fld id="{938F231A-58F6-4CED-94F4-8EB48A3E1FC8}" type="datetimeFigureOut">
               <a:rPr kumimoji="1" lang="ja-JP" altLang="en-US" smtClean="0"/>
-              <a:t>2023/5/24</a:t>
+              <a:t>2023/5/29</a:t>
             </a:fld>
             <a:endParaRPr kumimoji="1" lang="ja-JP" altLang="en-US"/>
           </a:p>
@@ -486,7 +491,7 @@
           <a:p>
             <a:fld id="{938F231A-58F6-4CED-94F4-8EB48A3E1FC8}" type="datetimeFigureOut">
               <a:rPr kumimoji="1" lang="ja-JP" altLang="en-US" smtClean="0"/>
-              <a:t>2023/5/24</a:t>
+              <a:t>2023/5/29</a:t>
             </a:fld>
             <a:endParaRPr kumimoji="1" lang="ja-JP" altLang="en-US"/>
           </a:p>
@@ -726,7 +731,7 @@
           <a:p>
             <a:fld id="{938F231A-58F6-4CED-94F4-8EB48A3E1FC8}" type="datetimeFigureOut">
               <a:rPr kumimoji="1" lang="ja-JP" altLang="en-US" smtClean="0"/>
-              <a:t>2023/5/24</a:t>
+              <a:t>2023/5/29</a:t>
             </a:fld>
             <a:endParaRPr kumimoji="1" lang="ja-JP" altLang="en-US"/>
           </a:p>
@@ -956,7 +961,7 @@
           <a:p>
             <a:fld id="{938F231A-58F6-4CED-94F4-8EB48A3E1FC8}" type="datetimeFigureOut">
               <a:rPr kumimoji="1" lang="ja-JP" altLang="en-US" smtClean="0"/>
-              <a:t>2023/5/24</a:t>
+              <a:t>2023/5/29</a:t>
             </a:fld>
             <a:endParaRPr kumimoji="1" lang="ja-JP" altLang="en-US"/>
           </a:p>
@@ -1231,7 +1236,7 @@
           <a:p>
             <a:fld id="{938F231A-58F6-4CED-94F4-8EB48A3E1FC8}" type="datetimeFigureOut">
               <a:rPr kumimoji="1" lang="ja-JP" altLang="en-US" smtClean="0"/>
-              <a:t>2023/5/24</a:t>
+              <a:t>2023/5/29</a:t>
             </a:fld>
             <a:endParaRPr kumimoji="1" lang="ja-JP" altLang="en-US"/>
           </a:p>
@@ -1560,7 +1565,7 @@
           <a:p>
             <a:fld id="{938F231A-58F6-4CED-94F4-8EB48A3E1FC8}" type="datetimeFigureOut">
               <a:rPr kumimoji="1" lang="ja-JP" altLang="en-US" smtClean="0"/>
-              <a:t>2023/5/24</a:t>
+              <a:t>2023/5/29</a:t>
             </a:fld>
             <a:endParaRPr kumimoji="1" lang="ja-JP" altLang="en-US"/>
           </a:p>
@@ -2036,7 +2041,7 @@
           <a:p>
             <a:fld id="{938F231A-58F6-4CED-94F4-8EB48A3E1FC8}" type="datetimeFigureOut">
               <a:rPr kumimoji="1" lang="ja-JP" altLang="en-US" smtClean="0"/>
-              <a:t>2023/5/24</a:t>
+              <a:t>2023/5/29</a:t>
             </a:fld>
             <a:endParaRPr kumimoji="1" lang="ja-JP" altLang="en-US"/>
           </a:p>
@@ -2177,7 +2182,7 @@
           <a:p>
             <a:fld id="{938F231A-58F6-4CED-94F4-8EB48A3E1FC8}" type="datetimeFigureOut">
               <a:rPr kumimoji="1" lang="ja-JP" altLang="en-US" smtClean="0"/>
-              <a:t>2023/5/24</a:t>
+              <a:t>2023/5/29</a:t>
             </a:fld>
             <a:endParaRPr kumimoji="1" lang="ja-JP" altLang="en-US"/>
           </a:p>
@@ -2290,7 +2295,7 @@
           <a:p>
             <a:fld id="{938F231A-58F6-4CED-94F4-8EB48A3E1FC8}" type="datetimeFigureOut">
               <a:rPr kumimoji="1" lang="ja-JP" altLang="en-US" smtClean="0"/>
-              <a:t>2023/5/24</a:t>
+              <a:t>2023/5/29</a:t>
             </a:fld>
             <a:endParaRPr kumimoji="1" lang="ja-JP" altLang="en-US"/>
           </a:p>
@@ -2633,7 +2638,7 @@
           <a:p>
             <a:fld id="{938F231A-58F6-4CED-94F4-8EB48A3E1FC8}" type="datetimeFigureOut">
               <a:rPr kumimoji="1" lang="ja-JP" altLang="en-US" smtClean="0"/>
-              <a:t>2023/5/24</a:t>
+              <a:t>2023/5/29</a:t>
             </a:fld>
             <a:endParaRPr kumimoji="1" lang="ja-JP" altLang="en-US"/>
           </a:p>
@@ -2921,7 +2926,7 @@
           <a:p>
             <a:fld id="{938F231A-58F6-4CED-94F4-8EB48A3E1FC8}" type="datetimeFigureOut">
               <a:rPr kumimoji="1" lang="ja-JP" altLang="en-US" smtClean="0"/>
-              <a:t>2023/5/24</a:t>
+              <a:t>2023/5/29</a:t>
             </a:fld>
             <a:endParaRPr kumimoji="1" lang="ja-JP" altLang="en-US"/>
           </a:p>
@@ -3194,7 +3199,7 @@
           <a:p>
             <a:fld id="{938F231A-58F6-4CED-94F4-8EB48A3E1FC8}" type="datetimeFigureOut">
               <a:rPr kumimoji="1" lang="ja-JP" altLang="en-US" smtClean="0"/>
-              <a:t>2023/5/24</a:t>
+              <a:t>2023/5/29</a:t>
             </a:fld>
             <a:endParaRPr kumimoji="1" lang="ja-JP" altLang="en-US"/>
           </a:p>
@@ -3726,6 +3731,10 @@
             <a:endParaRPr kumimoji="1" lang="en-US" altLang="ja-JP" dirty="0"/>
           </a:p>
           <a:p>
+            <a:r>
+              <a:rPr kumimoji="1" lang="ja-JP" altLang="en-US" dirty="0"/>
+              <a:t>タップで猫をなでる</a:t>
+            </a:r>
             <a:endParaRPr kumimoji="1" lang="en-US" altLang="ja-JP" dirty="0"/>
           </a:p>
           <a:p>
@@ -3842,7 +3851,23 @@
           <a:p>
             <a:r>
               <a:rPr kumimoji="1" lang="ja-JP" altLang="en-US" dirty="0"/>
-              <a:t>イラスト：市場</a:t>
+              <a:t>イラスト</a:t>
+            </a:r>
+            <a:r>
+              <a:rPr kumimoji="1" lang="en-US" altLang="ja-JP" dirty="0"/>
+              <a:t>/</a:t>
+            </a:r>
+            <a:r>
+              <a:rPr kumimoji="1" lang="ja-JP" altLang="en-US" dirty="0"/>
+              <a:t>声優</a:t>
+            </a:r>
+            <a:r>
+              <a:rPr kumimoji="1" lang="en-US" altLang="ja-JP" dirty="0"/>
+              <a:t>VC</a:t>
+            </a:r>
+            <a:r>
+              <a:rPr kumimoji="1" lang="ja-JP" altLang="en-US" dirty="0"/>
+              <a:t>：市場</a:t>
             </a:r>
           </a:p>
         </p:txBody>

--- a/猫と僕たち.pptx
+++ b/猫と僕たち.pptx
@@ -7,7 +7,8 @@
   <p:sldIdLst>
     <p:sldId id="256" r:id="rId2"/>
     <p:sldId id="258" r:id="rId3"/>
-    <p:sldId id="259" r:id="rId4"/>
+    <p:sldId id="260" r:id="rId4"/>
+    <p:sldId id="259" r:id="rId5"/>
   </p:sldIdLst>
   <p:sldSz cx="12192000" cy="6858000"/>
   <p:notesSz cx="6858000" cy="9144000"/>
@@ -261,7 +262,7 @@
           <a:p>
             <a:fld id="{938F231A-58F6-4CED-94F4-8EB48A3E1FC8}" type="datetimeFigureOut">
               <a:rPr kumimoji="1" lang="ja-JP" altLang="en-US" smtClean="0"/>
-              <a:t>2023/5/29</a:t>
+              <a:t>2023/5/31</a:t>
             </a:fld>
             <a:endParaRPr kumimoji="1" lang="ja-JP" altLang="en-US"/>
           </a:p>
@@ -491,7 +492,7 @@
           <a:p>
             <a:fld id="{938F231A-58F6-4CED-94F4-8EB48A3E1FC8}" type="datetimeFigureOut">
               <a:rPr kumimoji="1" lang="ja-JP" altLang="en-US" smtClean="0"/>
-              <a:t>2023/5/29</a:t>
+              <a:t>2023/5/31</a:t>
             </a:fld>
             <a:endParaRPr kumimoji="1" lang="ja-JP" altLang="en-US"/>
           </a:p>
@@ -731,7 +732,7 @@
           <a:p>
             <a:fld id="{938F231A-58F6-4CED-94F4-8EB48A3E1FC8}" type="datetimeFigureOut">
               <a:rPr kumimoji="1" lang="ja-JP" altLang="en-US" smtClean="0"/>
-              <a:t>2023/5/29</a:t>
+              <a:t>2023/5/31</a:t>
             </a:fld>
             <a:endParaRPr kumimoji="1" lang="ja-JP" altLang="en-US"/>
           </a:p>
@@ -961,7 +962,7 @@
           <a:p>
             <a:fld id="{938F231A-58F6-4CED-94F4-8EB48A3E1FC8}" type="datetimeFigureOut">
               <a:rPr kumimoji="1" lang="ja-JP" altLang="en-US" smtClean="0"/>
-              <a:t>2023/5/29</a:t>
+              <a:t>2023/5/31</a:t>
             </a:fld>
             <a:endParaRPr kumimoji="1" lang="ja-JP" altLang="en-US"/>
           </a:p>
@@ -1236,7 +1237,7 @@
           <a:p>
             <a:fld id="{938F231A-58F6-4CED-94F4-8EB48A3E1FC8}" type="datetimeFigureOut">
               <a:rPr kumimoji="1" lang="ja-JP" altLang="en-US" smtClean="0"/>
-              <a:t>2023/5/29</a:t>
+              <a:t>2023/5/31</a:t>
             </a:fld>
             <a:endParaRPr kumimoji="1" lang="ja-JP" altLang="en-US"/>
           </a:p>
@@ -1565,7 +1566,7 @@
           <a:p>
             <a:fld id="{938F231A-58F6-4CED-94F4-8EB48A3E1FC8}" type="datetimeFigureOut">
               <a:rPr kumimoji="1" lang="ja-JP" altLang="en-US" smtClean="0"/>
-              <a:t>2023/5/29</a:t>
+              <a:t>2023/5/31</a:t>
             </a:fld>
             <a:endParaRPr kumimoji="1" lang="ja-JP" altLang="en-US"/>
           </a:p>
@@ -2041,7 +2042,7 @@
           <a:p>
             <a:fld id="{938F231A-58F6-4CED-94F4-8EB48A3E1FC8}" type="datetimeFigureOut">
               <a:rPr kumimoji="1" lang="ja-JP" altLang="en-US" smtClean="0"/>
-              <a:t>2023/5/29</a:t>
+              <a:t>2023/5/31</a:t>
             </a:fld>
             <a:endParaRPr kumimoji="1" lang="ja-JP" altLang="en-US"/>
           </a:p>
@@ -2182,7 +2183,7 @@
           <a:p>
             <a:fld id="{938F231A-58F6-4CED-94F4-8EB48A3E1FC8}" type="datetimeFigureOut">
               <a:rPr kumimoji="1" lang="ja-JP" altLang="en-US" smtClean="0"/>
-              <a:t>2023/5/29</a:t>
+              <a:t>2023/5/31</a:t>
             </a:fld>
             <a:endParaRPr kumimoji="1" lang="ja-JP" altLang="en-US"/>
           </a:p>
@@ -2295,7 +2296,7 @@
           <a:p>
             <a:fld id="{938F231A-58F6-4CED-94F4-8EB48A3E1FC8}" type="datetimeFigureOut">
               <a:rPr kumimoji="1" lang="ja-JP" altLang="en-US" smtClean="0"/>
-              <a:t>2023/5/29</a:t>
+              <a:t>2023/5/31</a:t>
             </a:fld>
             <a:endParaRPr kumimoji="1" lang="ja-JP" altLang="en-US"/>
           </a:p>
@@ -2638,7 +2639,7 @@
           <a:p>
             <a:fld id="{938F231A-58F6-4CED-94F4-8EB48A3E1FC8}" type="datetimeFigureOut">
               <a:rPr kumimoji="1" lang="ja-JP" altLang="en-US" smtClean="0"/>
-              <a:t>2023/5/29</a:t>
+              <a:t>2023/5/31</a:t>
             </a:fld>
             <a:endParaRPr kumimoji="1" lang="ja-JP" altLang="en-US"/>
           </a:p>
@@ -2926,7 +2927,7 @@
           <a:p>
             <a:fld id="{938F231A-58F6-4CED-94F4-8EB48A3E1FC8}" type="datetimeFigureOut">
               <a:rPr kumimoji="1" lang="ja-JP" altLang="en-US" smtClean="0"/>
-              <a:t>2023/5/29</a:t>
+              <a:t>2023/5/31</a:t>
             </a:fld>
             <a:endParaRPr kumimoji="1" lang="ja-JP" altLang="en-US"/>
           </a:p>
@@ -3199,7 +3200,7 @@
           <a:p>
             <a:fld id="{938F231A-58F6-4CED-94F4-8EB48A3E1FC8}" type="datetimeFigureOut">
               <a:rPr kumimoji="1" lang="ja-JP" altLang="en-US" smtClean="0"/>
-              <a:t>2023/5/29</a:t>
+              <a:t>2023/5/31</a:t>
             </a:fld>
             <a:endParaRPr kumimoji="1" lang="ja-JP" altLang="en-US"/>
           </a:p>
@@ -3783,6 +3784,142 @@
           <p:cNvPr id="2" name="タイトル 1">
             <a:extLst>
               <a:ext uri="{FF2B5EF4-FFF2-40B4-BE49-F238E27FC236}">
+                <a16:creationId xmlns:a16="http://schemas.microsoft.com/office/drawing/2014/main" id="{9D827DDC-A407-B62B-C50D-135FD2260CA8}"/>
+              </a:ext>
+            </a:extLst>
+          </p:cNvPr>
+          <p:cNvSpPr>
+            <a:spLocks noGrp="1"/>
+          </p:cNvSpPr>
+          <p:nvPr>
+            <p:ph type="title"/>
+          </p:nvPr>
+        </p:nvSpPr>
+        <p:spPr/>
+        <p:txBody>
+          <a:bodyPr/>
+          <a:lstStyle/>
+          <a:p>
+            <a:r>
+              <a:rPr kumimoji="1" lang="ja-JP" altLang="en-US" dirty="0"/>
+              <a:t>必要なもの</a:t>
+            </a:r>
+          </a:p>
+        </p:txBody>
+      </p:sp>
+      <p:sp>
+        <p:nvSpPr>
+          <p:cNvPr id="3" name="コンテンツ プレースホルダー 2">
+            <a:extLst>
+              <a:ext uri="{FF2B5EF4-FFF2-40B4-BE49-F238E27FC236}">
+                <a16:creationId xmlns:a16="http://schemas.microsoft.com/office/drawing/2014/main" id="{1E4ADECB-578A-393E-D259-19AD720B12A1}"/>
+              </a:ext>
+            </a:extLst>
+          </p:cNvPr>
+          <p:cNvSpPr>
+            <a:spLocks noGrp="1"/>
+          </p:cNvSpPr>
+          <p:nvPr>
+            <p:ph idx="1"/>
+          </p:nvPr>
+        </p:nvSpPr>
+        <p:spPr/>
+        <p:txBody>
+          <a:bodyPr>
+            <a:normAutofit lnSpcReduction="10000"/>
+          </a:bodyPr>
+          <a:lstStyle/>
+          <a:p>
+            <a:r>
+              <a:rPr kumimoji="1" lang="ja-JP" altLang="en-US" dirty="0"/>
+              <a:t>アニメーション</a:t>
+            </a:r>
+            <a:endParaRPr kumimoji="1" lang="en-US" altLang="ja-JP" dirty="0"/>
+          </a:p>
+          <a:p>
+            <a:r>
+              <a:rPr lang="ja-JP" altLang="en-US" dirty="0"/>
+              <a:t>歩行</a:t>
+            </a:r>
+            <a:endParaRPr lang="en-US" altLang="ja-JP" dirty="0"/>
+          </a:p>
+          <a:p>
+            <a:r>
+              <a:rPr lang="ja-JP" altLang="en-US" dirty="0"/>
+              <a:t>待機</a:t>
+            </a:r>
+            <a:endParaRPr lang="en-US" altLang="ja-JP" dirty="0"/>
+          </a:p>
+          <a:p>
+            <a:endParaRPr kumimoji="1" lang="en-US" altLang="ja-JP" dirty="0"/>
+          </a:p>
+          <a:p>
+            <a:r>
+              <a:rPr lang="ja-JP" altLang="en-US" dirty="0"/>
+              <a:t>スクリプト未定</a:t>
+            </a:r>
+            <a:endParaRPr lang="en-US" altLang="ja-JP" dirty="0"/>
+          </a:p>
+          <a:p>
+            <a:endParaRPr kumimoji="1" lang="en-US" altLang="ja-JP" dirty="0"/>
+          </a:p>
+          <a:p>
+            <a:r>
+              <a:rPr lang="ja-JP" altLang="en-US" dirty="0"/>
+              <a:t>モデル</a:t>
+            </a:r>
+            <a:endParaRPr lang="en-US" altLang="ja-JP" dirty="0"/>
+          </a:p>
+          <a:p>
+            <a:r>
+              <a:rPr kumimoji="1" lang="ja-JP" altLang="en-US" dirty="0"/>
+              <a:t>猫</a:t>
+            </a:r>
+            <a:endParaRPr kumimoji="1" lang="en-US" altLang="ja-JP" dirty="0"/>
+          </a:p>
+          <a:p>
+            <a:r>
+              <a:rPr kumimoji="1" lang="ja-JP" altLang="en-US"/>
+              <a:t>チュール</a:t>
+            </a:r>
+          </a:p>
+        </p:txBody>
+      </p:sp>
+    </p:spTree>
+    <p:extLst>
+      <p:ext uri="{BB962C8B-B14F-4D97-AF65-F5344CB8AC3E}">
+        <p14:creationId xmlns:p14="http://schemas.microsoft.com/office/powerpoint/2010/main" val="2359251805"/>
+      </p:ext>
+    </p:extLst>
+  </p:cSld>
+  <p:clrMapOvr>
+    <a:masterClrMapping/>
+  </p:clrMapOvr>
+</p:sld>
+</file>
+
+<file path=ppt/slides/slide4.xml><?xml version="1.0" encoding="utf-8"?>
+<p:sld xmlns:a="http://schemas.openxmlformats.org/drawingml/2006/main" xmlns:r="http://schemas.openxmlformats.org/officeDocument/2006/relationships" xmlns:p="http://schemas.openxmlformats.org/presentationml/2006/main">
+  <p:cSld>
+    <p:spTree>
+      <p:nvGrpSpPr>
+        <p:cNvPr id="1" name=""/>
+        <p:cNvGrpSpPr/>
+        <p:nvPr/>
+      </p:nvGrpSpPr>
+      <p:grpSpPr>
+        <a:xfrm>
+          <a:off x="0" y="0"/>
+          <a:ext cx="0" cy="0"/>
+          <a:chOff x="0" y="0"/>
+          <a:chExt cx="0" cy="0"/>
+        </a:xfrm>
+      </p:grpSpPr>
+      <p:sp>
+        <p:nvSpPr>
+          <p:cNvPr id="2" name="タイトル 1">
+            <a:extLst>
+              <a:ext uri="{FF2B5EF4-FFF2-40B4-BE49-F238E27FC236}">
                 <a16:creationId xmlns:a16="http://schemas.microsoft.com/office/drawing/2014/main" id="{B51AEFE6-C795-0729-DF4C-4258EA146227}"/>
               </a:ext>
             </a:extLst>

--- a/猫と僕たち.pptx
+++ b/猫と僕たち.pptx
@@ -7,8 +7,9 @@
   <p:sldIdLst>
     <p:sldId id="256" r:id="rId2"/>
     <p:sldId id="258" r:id="rId3"/>
-    <p:sldId id="260" r:id="rId4"/>
-    <p:sldId id="259" r:id="rId5"/>
+    <p:sldId id="261" r:id="rId4"/>
+    <p:sldId id="260" r:id="rId5"/>
+    <p:sldId id="259" r:id="rId6"/>
   </p:sldIdLst>
   <p:sldSz cx="12192000" cy="6858000"/>
   <p:notesSz cx="6858000" cy="9144000"/>
@@ -262,7 +263,7 @@
           <a:p>
             <a:fld id="{938F231A-58F6-4CED-94F4-8EB48A3E1FC8}" type="datetimeFigureOut">
               <a:rPr kumimoji="1" lang="ja-JP" altLang="en-US" smtClean="0"/>
-              <a:t>2023/5/31</a:t>
+              <a:t>2023/6/1</a:t>
             </a:fld>
             <a:endParaRPr kumimoji="1" lang="ja-JP" altLang="en-US"/>
           </a:p>
@@ -492,7 +493,7 @@
           <a:p>
             <a:fld id="{938F231A-58F6-4CED-94F4-8EB48A3E1FC8}" type="datetimeFigureOut">
               <a:rPr kumimoji="1" lang="ja-JP" altLang="en-US" smtClean="0"/>
-              <a:t>2023/5/31</a:t>
+              <a:t>2023/6/1</a:t>
             </a:fld>
             <a:endParaRPr kumimoji="1" lang="ja-JP" altLang="en-US"/>
           </a:p>
@@ -732,7 +733,7 @@
           <a:p>
             <a:fld id="{938F231A-58F6-4CED-94F4-8EB48A3E1FC8}" type="datetimeFigureOut">
               <a:rPr kumimoji="1" lang="ja-JP" altLang="en-US" smtClean="0"/>
-              <a:t>2023/5/31</a:t>
+              <a:t>2023/6/1</a:t>
             </a:fld>
             <a:endParaRPr kumimoji="1" lang="ja-JP" altLang="en-US"/>
           </a:p>
@@ -962,7 +963,7 @@
           <a:p>
             <a:fld id="{938F231A-58F6-4CED-94F4-8EB48A3E1FC8}" type="datetimeFigureOut">
               <a:rPr kumimoji="1" lang="ja-JP" altLang="en-US" smtClean="0"/>
-              <a:t>2023/5/31</a:t>
+              <a:t>2023/6/1</a:t>
             </a:fld>
             <a:endParaRPr kumimoji="1" lang="ja-JP" altLang="en-US"/>
           </a:p>
@@ -1237,7 +1238,7 @@
           <a:p>
             <a:fld id="{938F231A-58F6-4CED-94F4-8EB48A3E1FC8}" type="datetimeFigureOut">
               <a:rPr kumimoji="1" lang="ja-JP" altLang="en-US" smtClean="0"/>
-              <a:t>2023/5/31</a:t>
+              <a:t>2023/6/1</a:t>
             </a:fld>
             <a:endParaRPr kumimoji="1" lang="ja-JP" altLang="en-US"/>
           </a:p>
@@ -1566,7 +1567,7 @@
           <a:p>
             <a:fld id="{938F231A-58F6-4CED-94F4-8EB48A3E1FC8}" type="datetimeFigureOut">
               <a:rPr kumimoji="1" lang="ja-JP" altLang="en-US" smtClean="0"/>
-              <a:t>2023/5/31</a:t>
+              <a:t>2023/6/1</a:t>
             </a:fld>
             <a:endParaRPr kumimoji="1" lang="ja-JP" altLang="en-US"/>
           </a:p>
@@ -2042,7 +2043,7 @@
           <a:p>
             <a:fld id="{938F231A-58F6-4CED-94F4-8EB48A3E1FC8}" type="datetimeFigureOut">
               <a:rPr kumimoji="1" lang="ja-JP" altLang="en-US" smtClean="0"/>
-              <a:t>2023/5/31</a:t>
+              <a:t>2023/6/1</a:t>
             </a:fld>
             <a:endParaRPr kumimoji="1" lang="ja-JP" altLang="en-US"/>
           </a:p>
@@ -2183,7 +2184,7 @@
           <a:p>
             <a:fld id="{938F231A-58F6-4CED-94F4-8EB48A3E1FC8}" type="datetimeFigureOut">
               <a:rPr kumimoji="1" lang="ja-JP" altLang="en-US" smtClean="0"/>
-              <a:t>2023/5/31</a:t>
+              <a:t>2023/6/1</a:t>
             </a:fld>
             <a:endParaRPr kumimoji="1" lang="ja-JP" altLang="en-US"/>
           </a:p>
@@ -2296,7 +2297,7 @@
           <a:p>
             <a:fld id="{938F231A-58F6-4CED-94F4-8EB48A3E1FC8}" type="datetimeFigureOut">
               <a:rPr kumimoji="1" lang="ja-JP" altLang="en-US" smtClean="0"/>
-              <a:t>2023/5/31</a:t>
+              <a:t>2023/6/1</a:t>
             </a:fld>
             <a:endParaRPr kumimoji="1" lang="ja-JP" altLang="en-US"/>
           </a:p>
@@ -2639,7 +2640,7 @@
           <a:p>
             <a:fld id="{938F231A-58F6-4CED-94F4-8EB48A3E1FC8}" type="datetimeFigureOut">
               <a:rPr kumimoji="1" lang="ja-JP" altLang="en-US" smtClean="0"/>
-              <a:t>2023/5/31</a:t>
+              <a:t>2023/6/1</a:t>
             </a:fld>
             <a:endParaRPr kumimoji="1" lang="ja-JP" altLang="en-US"/>
           </a:p>
@@ -2927,7 +2928,7 @@
           <a:p>
             <a:fld id="{938F231A-58F6-4CED-94F4-8EB48A3E1FC8}" type="datetimeFigureOut">
               <a:rPr kumimoji="1" lang="ja-JP" altLang="en-US" smtClean="0"/>
-              <a:t>2023/5/31</a:t>
+              <a:t>2023/6/1</a:t>
             </a:fld>
             <a:endParaRPr kumimoji="1" lang="ja-JP" altLang="en-US"/>
           </a:p>
@@ -3200,7 +3201,7 @@
           <a:p>
             <a:fld id="{938F231A-58F6-4CED-94F4-8EB48A3E1FC8}" type="datetimeFigureOut">
               <a:rPr kumimoji="1" lang="ja-JP" altLang="en-US" smtClean="0"/>
-              <a:t>2023/5/31</a:t>
+              <a:t>2023/6/1</a:t>
             </a:fld>
             <a:endParaRPr kumimoji="1" lang="ja-JP" altLang="en-US"/>
           </a:p>
@@ -3739,6 +3740,30 @@
             <a:endParaRPr kumimoji="1" lang="en-US" altLang="ja-JP" dirty="0"/>
           </a:p>
           <a:p>
+            <a:r>
+              <a:rPr kumimoji="1" lang="ja-JP" altLang="en-US" dirty="0"/>
+              <a:t>猫がプレイヤー周りに出現する</a:t>
+            </a:r>
+            <a:endParaRPr kumimoji="1" lang="en-US" altLang="ja-JP" dirty="0"/>
+          </a:p>
+          <a:p>
+            <a:r>
+              <a:rPr kumimoji="1" lang="ja-JP" altLang="en-US" dirty="0"/>
+              <a:t>出現した猫に餌を与えて手なずける</a:t>
+            </a:r>
+            <a:endParaRPr kumimoji="1" lang="en-US" altLang="ja-JP" dirty="0"/>
+          </a:p>
+          <a:p>
+            <a:r>
+              <a:rPr lang="ja-JP" altLang="en-US" dirty="0"/>
+              <a:t>手なずけた猫はプレイヤーの周りを動く</a:t>
+            </a:r>
+            <a:endParaRPr lang="en-US" altLang="ja-JP" dirty="0"/>
+          </a:p>
+          <a:p>
+            <a:endParaRPr lang="en-US" altLang="ja-JP" dirty="0"/>
+          </a:p>
+          <a:p>
             <a:endParaRPr kumimoji="1" lang="en-US" altLang="ja-JP" dirty="0"/>
           </a:p>
           <a:p>
@@ -3784,7 +3809,7 @@
           <p:cNvPr id="2" name="タイトル 1">
             <a:extLst>
               <a:ext uri="{FF2B5EF4-FFF2-40B4-BE49-F238E27FC236}">
-                <a16:creationId xmlns:a16="http://schemas.microsoft.com/office/drawing/2014/main" id="{9D827DDC-A407-B62B-C50D-135FD2260CA8}"/>
+                <a16:creationId xmlns:a16="http://schemas.microsoft.com/office/drawing/2014/main" id="{87CF26D3-EA18-2272-9D27-F174E7BB2A64}"/>
               </a:ext>
             </a:extLst>
           </p:cNvPr>
@@ -3800,10 +3825,7 @@
           <a:bodyPr/>
           <a:lstStyle/>
           <a:p>
-            <a:r>
-              <a:rPr kumimoji="1" lang="ja-JP" altLang="en-US" dirty="0"/>
-              <a:t>必要なもの</a:t>
-            </a:r>
+            <a:endParaRPr kumimoji="1" lang="ja-JP" altLang="en-US"/>
           </a:p>
         </p:txBody>
       </p:sp>
@@ -3812,7 +3834,7 @@
           <p:cNvPr id="3" name="コンテンツ プレースホルダー 2">
             <a:extLst>
               <a:ext uri="{FF2B5EF4-FFF2-40B4-BE49-F238E27FC236}">
-                <a16:creationId xmlns:a16="http://schemas.microsoft.com/office/drawing/2014/main" id="{1E4ADECB-578A-393E-D259-19AD720B12A1}"/>
+                <a16:creationId xmlns:a16="http://schemas.microsoft.com/office/drawing/2014/main" id="{B078708E-E580-6E2B-6672-E853F6467B96}"/>
               </a:ext>
             </a:extLst>
           </p:cNvPr>
@@ -3825,70 +3847,17 @@
         </p:nvSpPr>
         <p:spPr/>
         <p:txBody>
-          <a:bodyPr>
-            <a:normAutofit lnSpcReduction="10000"/>
-          </a:bodyPr>
-          <a:lstStyle/>
-          <a:p>
-            <a:r>
-              <a:rPr kumimoji="1" lang="ja-JP" altLang="en-US" dirty="0"/>
-              <a:t>アニメーション</a:t>
-            </a:r>
-            <a:endParaRPr kumimoji="1" lang="en-US" altLang="ja-JP" dirty="0"/>
-          </a:p>
-          <a:p>
-            <a:r>
-              <a:rPr lang="ja-JP" altLang="en-US" dirty="0"/>
-              <a:t>歩行</a:t>
-            </a:r>
-            <a:endParaRPr lang="en-US" altLang="ja-JP" dirty="0"/>
-          </a:p>
-          <a:p>
-            <a:r>
-              <a:rPr lang="ja-JP" altLang="en-US" dirty="0"/>
-              <a:t>待機</a:t>
-            </a:r>
-            <a:endParaRPr lang="en-US" altLang="ja-JP" dirty="0"/>
-          </a:p>
-          <a:p>
-            <a:endParaRPr kumimoji="1" lang="en-US" altLang="ja-JP" dirty="0"/>
-          </a:p>
-          <a:p>
-            <a:r>
-              <a:rPr lang="ja-JP" altLang="en-US" dirty="0"/>
-              <a:t>スクリプト未定</a:t>
-            </a:r>
-            <a:endParaRPr lang="en-US" altLang="ja-JP" dirty="0"/>
-          </a:p>
-          <a:p>
-            <a:endParaRPr kumimoji="1" lang="en-US" altLang="ja-JP" dirty="0"/>
-          </a:p>
-          <a:p>
-            <a:r>
-              <a:rPr lang="ja-JP" altLang="en-US" dirty="0"/>
-              <a:t>モデル</a:t>
-            </a:r>
-            <a:endParaRPr lang="en-US" altLang="ja-JP" dirty="0"/>
-          </a:p>
-          <a:p>
-            <a:r>
-              <a:rPr kumimoji="1" lang="ja-JP" altLang="en-US" dirty="0"/>
-              <a:t>猫</a:t>
-            </a:r>
-            <a:endParaRPr kumimoji="1" lang="en-US" altLang="ja-JP" dirty="0"/>
-          </a:p>
-          <a:p>
-            <a:r>
-              <a:rPr kumimoji="1" lang="ja-JP" altLang="en-US"/>
-              <a:t>チュール</a:t>
-            </a:r>
+          <a:bodyPr/>
+          <a:lstStyle/>
+          <a:p>
+            <a:endParaRPr kumimoji="1" lang="ja-JP" altLang="en-US"/>
           </a:p>
         </p:txBody>
       </p:sp>
     </p:spTree>
     <p:extLst>
       <p:ext uri="{BB962C8B-B14F-4D97-AF65-F5344CB8AC3E}">
-        <p14:creationId xmlns:p14="http://schemas.microsoft.com/office/powerpoint/2010/main" val="2359251805"/>
+        <p14:creationId xmlns:p14="http://schemas.microsoft.com/office/powerpoint/2010/main" val="3434199037"/>
       </p:ext>
     </p:extLst>
   </p:cSld>
@@ -3920,6 +3889,146 @@
           <p:cNvPr id="2" name="タイトル 1">
             <a:extLst>
               <a:ext uri="{FF2B5EF4-FFF2-40B4-BE49-F238E27FC236}">
+                <a16:creationId xmlns:a16="http://schemas.microsoft.com/office/drawing/2014/main" id="{9D827DDC-A407-B62B-C50D-135FD2260CA8}"/>
+              </a:ext>
+            </a:extLst>
+          </p:cNvPr>
+          <p:cNvSpPr>
+            <a:spLocks noGrp="1"/>
+          </p:cNvSpPr>
+          <p:nvPr>
+            <p:ph type="title"/>
+          </p:nvPr>
+        </p:nvSpPr>
+        <p:spPr/>
+        <p:txBody>
+          <a:bodyPr/>
+          <a:lstStyle/>
+          <a:p>
+            <a:r>
+              <a:rPr kumimoji="1" lang="ja-JP" altLang="en-US" dirty="0"/>
+              <a:t>必要なもの</a:t>
+            </a:r>
+          </a:p>
+        </p:txBody>
+      </p:sp>
+      <p:sp>
+        <p:nvSpPr>
+          <p:cNvPr id="3" name="コンテンツ プレースホルダー 2">
+            <a:extLst>
+              <a:ext uri="{FF2B5EF4-FFF2-40B4-BE49-F238E27FC236}">
+                <a16:creationId xmlns:a16="http://schemas.microsoft.com/office/drawing/2014/main" id="{1E4ADECB-578A-393E-D259-19AD720B12A1}"/>
+              </a:ext>
+            </a:extLst>
+          </p:cNvPr>
+          <p:cNvSpPr>
+            <a:spLocks noGrp="1"/>
+          </p:cNvSpPr>
+          <p:nvPr>
+            <p:ph idx="1"/>
+          </p:nvPr>
+        </p:nvSpPr>
+        <p:spPr/>
+        <p:txBody>
+          <a:bodyPr>
+            <a:normAutofit lnSpcReduction="10000"/>
+          </a:bodyPr>
+          <a:lstStyle/>
+          <a:p>
+            <a:r>
+              <a:rPr kumimoji="1" lang="ja-JP" altLang="en-US" dirty="0"/>
+              <a:t>アニメーション</a:t>
+            </a:r>
+            <a:endParaRPr kumimoji="1" lang="en-US" altLang="ja-JP" dirty="0"/>
+          </a:p>
+          <a:p>
+            <a:r>
+              <a:rPr lang="ja-JP" altLang="en-US" dirty="0"/>
+              <a:t>歩行</a:t>
+            </a:r>
+            <a:endParaRPr lang="en-US" altLang="ja-JP" dirty="0"/>
+          </a:p>
+          <a:p>
+            <a:r>
+              <a:rPr lang="ja-JP" altLang="en-US" dirty="0"/>
+              <a:t>待機</a:t>
+            </a:r>
+            <a:endParaRPr lang="en-US" altLang="ja-JP" dirty="0"/>
+          </a:p>
+          <a:p>
+            <a:endParaRPr kumimoji="1" lang="en-US" altLang="ja-JP" dirty="0"/>
+          </a:p>
+          <a:p>
+            <a:r>
+              <a:rPr lang="ja-JP" altLang="en-US" dirty="0"/>
+              <a:t>スクリプト未定</a:t>
+            </a:r>
+            <a:endParaRPr lang="en-US" altLang="ja-JP" dirty="0"/>
+          </a:p>
+          <a:p>
+            <a:r>
+              <a:rPr kumimoji="1" lang="ja-JP" altLang="en-US" dirty="0"/>
+              <a:t>エフェクト</a:t>
+            </a:r>
+            <a:endParaRPr kumimoji="1" lang="en-US" altLang="ja-JP" dirty="0"/>
+          </a:p>
+          <a:p>
+            <a:r>
+              <a:rPr lang="ja-JP" altLang="en-US" dirty="0"/>
+              <a:t>モデル</a:t>
+            </a:r>
+            <a:endParaRPr lang="en-US" altLang="ja-JP" dirty="0"/>
+          </a:p>
+          <a:p>
+            <a:r>
+              <a:rPr kumimoji="1" lang="ja-JP" altLang="en-US" dirty="0"/>
+              <a:t>猫</a:t>
+            </a:r>
+            <a:endParaRPr kumimoji="1" lang="en-US" altLang="ja-JP" dirty="0"/>
+          </a:p>
+          <a:p>
+            <a:r>
+              <a:rPr kumimoji="1" lang="ja-JP" altLang="en-US" dirty="0"/>
+              <a:t>チュール</a:t>
+            </a:r>
+          </a:p>
+        </p:txBody>
+      </p:sp>
+    </p:spTree>
+    <p:extLst>
+      <p:ext uri="{BB962C8B-B14F-4D97-AF65-F5344CB8AC3E}">
+        <p14:creationId xmlns:p14="http://schemas.microsoft.com/office/powerpoint/2010/main" val="2359251805"/>
+      </p:ext>
+    </p:extLst>
+  </p:cSld>
+  <p:clrMapOvr>
+    <a:masterClrMapping/>
+  </p:clrMapOvr>
+</p:sld>
+</file>
+
+<file path=ppt/slides/slide5.xml><?xml version="1.0" encoding="utf-8"?>
+<p:sld xmlns:a="http://schemas.openxmlformats.org/drawingml/2006/main" xmlns:r="http://schemas.openxmlformats.org/officeDocument/2006/relationships" xmlns:p="http://schemas.openxmlformats.org/presentationml/2006/main">
+  <p:cSld>
+    <p:spTree>
+      <p:nvGrpSpPr>
+        <p:cNvPr id="1" name=""/>
+        <p:cNvGrpSpPr/>
+        <p:nvPr/>
+      </p:nvGrpSpPr>
+      <p:grpSpPr>
+        <a:xfrm>
+          <a:off x="0" y="0"/>
+          <a:ext cx="0" cy="0"/>
+          <a:chOff x="0" y="0"/>
+          <a:chExt cx="0" cy="0"/>
+        </a:xfrm>
+      </p:grpSpPr>
+      <p:sp>
+        <p:nvSpPr>
+          <p:cNvPr id="2" name="タイトル 1">
+            <a:extLst>
+              <a:ext uri="{FF2B5EF4-FFF2-40B4-BE49-F238E27FC236}">
                 <a16:creationId xmlns:a16="http://schemas.microsoft.com/office/drawing/2014/main" id="{B51AEFE6-C795-0729-DF4C-4258EA146227}"/>
               </a:ext>
             </a:extLst>
@@ -3987,8 +4096,8 @@
           </a:p>
           <a:p>
             <a:r>
-              <a:rPr kumimoji="1" lang="ja-JP" altLang="en-US" dirty="0"/>
-              <a:t>イラスト</a:t>
+              <a:rPr lang="ja-JP" altLang="en-US" dirty="0"/>
+              <a:t>アニメーション</a:t>
             </a:r>
             <a:r>
               <a:rPr kumimoji="1" lang="en-US" altLang="ja-JP" dirty="0"/>

--- a/猫と僕たち.pptx
+++ b/猫と僕たち.pptx
@@ -3825,7 +3825,11 @@
           <a:bodyPr/>
           <a:lstStyle/>
           <a:p>
-            <a:endParaRPr kumimoji="1" lang="ja-JP" altLang="en-US"/>
+            <a:r>
+              <a:rPr kumimoji="1" lang="ja-JP" altLang="en-US" smtClean="0"/>
+              <a:t>メモ</a:t>
+            </a:r>
+            <a:endParaRPr kumimoji="1" lang="ja-JP" altLang="en-US" dirty="0"/>
           </a:p>
         </p:txBody>
       </p:sp>
@@ -3847,10 +3851,58 @@
         </p:nvSpPr>
         <p:spPr/>
         <p:txBody>
-          <a:bodyPr/>
-          <a:lstStyle/>
-          <a:p>
-            <a:endParaRPr kumimoji="1" lang="ja-JP" altLang="en-US"/>
+          <a:bodyPr>
+            <a:normAutofit lnSpcReduction="10000"/>
+          </a:bodyPr>
+          <a:lstStyle/>
+          <a:p>
+            <a:r>
+              <a:rPr lang="ja-JP" altLang="en-US" dirty="0"/>
+              <a:t>野良とてなづけた猫の見分け方　パーティクル</a:t>
+            </a:r>
+          </a:p>
+          <a:p>
+            <a:r>
+              <a:rPr lang="ja-JP" altLang="en-US" dirty="0"/>
+              <a:t>何人称か　一人称</a:t>
+            </a:r>
+          </a:p>
+          <a:p>
+            <a:r>
+              <a:rPr lang="ja-JP" altLang="en-US" dirty="0"/>
+              <a:t>どこをターゲットにしているか　直島で出現</a:t>
+            </a:r>
+          </a:p>
+          <a:p>
+            <a:r>
+              <a:rPr lang="ja-JP" altLang="en-US" dirty="0"/>
+              <a:t>なでたりするのか　かわいがるだけになっている</a:t>
+            </a:r>
+          </a:p>
+          <a:p>
+            <a:r>
+              <a:rPr lang="ja-JP" altLang="en-US" dirty="0"/>
+              <a:t>目的とは？　ユーザーが納得するにはどうすればいいのか</a:t>
+            </a:r>
+          </a:p>
+          <a:p>
+            <a:r>
+              <a:rPr lang="ja-JP" altLang="en-US" dirty="0"/>
+              <a:t>コレクションや、猫を増やす楽しみを増やす、育成みたいな　マーカー使用</a:t>
+            </a:r>
+          </a:p>
+          <a:p>
+            <a:r>
+              <a:rPr lang="ja-JP" altLang="en-US" dirty="0"/>
+              <a:t>直島に行く必要があるかもしれない←←←</a:t>
+            </a:r>
+          </a:p>
+          <a:p>
+            <a:r>
+              <a:rPr lang="ja-JP" altLang="en-US" dirty="0"/>
+              <a:t>グーグルマップを使うのもあり</a:t>
+            </a:r>
+            <a:endParaRPr kumimoji="1" lang="ja-JP" altLang="en-US" dirty="0"/>
           </a:p>
         </p:txBody>
       </p:sp>

--- a/猫と僕たち.pptx
+++ b/猫と僕たち.pptx
@@ -3826,10 +3826,9 @@
           <a:lstStyle/>
           <a:p>
             <a:r>
-              <a:rPr kumimoji="1" lang="ja-JP" altLang="en-US" smtClean="0"/>
+              <a:rPr kumimoji="1" lang="ja-JP" altLang="en-US" dirty="0"/>
               <a:t>メモ</a:t>
             </a:r>
-            <a:endParaRPr kumimoji="1" lang="ja-JP" altLang="en-US" dirty="0"/>
           </a:p>
         </p:txBody>
       </p:sp>

--- a/猫と僕たち.pptx
+++ b/猫と僕たち.pptx
@@ -7,9 +7,10 @@
   <p:sldIdLst>
     <p:sldId id="256" r:id="rId2"/>
     <p:sldId id="258" r:id="rId3"/>
-    <p:sldId id="261" r:id="rId4"/>
-    <p:sldId id="260" r:id="rId5"/>
-    <p:sldId id="259" r:id="rId6"/>
+    <p:sldId id="262" r:id="rId4"/>
+    <p:sldId id="261" r:id="rId5"/>
+    <p:sldId id="260" r:id="rId6"/>
+    <p:sldId id="259" r:id="rId7"/>
   </p:sldIdLst>
   <p:sldSz cx="12192000" cy="6858000"/>
   <p:notesSz cx="6858000" cy="9144000"/>
@@ -3809,7 +3810,7 @@
           <p:cNvPr id="2" name="タイトル 1">
             <a:extLst>
               <a:ext uri="{FF2B5EF4-FFF2-40B4-BE49-F238E27FC236}">
-                <a16:creationId xmlns:a16="http://schemas.microsoft.com/office/drawing/2014/main" id="{87CF26D3-EA18-2272-9D27-F174E7BB2A64}"/>
+                <a16:creationId xmlns:a16="http://schemas.microsoft.com/office/drawing/2014/main" id="{4A99C415-2591-A06F-09B1-E41F7642E20D}"/>
               </a:ext>
             </a:extLst>
           </p:cNvPr>
@@ -3827,7 +3828,7 @@
           <a:p>
             <a:r>
               <a:rPr kumimoji="1" lang="ja-JP" altLang="en-US" dirty="0"/>
-              <a:t>メモ</a:t>
+              <a:t>プロジェクト</a:t>
             </a:r>
           </a:p>
         </p:txBody>
@@ -3837,7 +3838,7 @@
           <p:cNvPr id="3" name="コンテンツ プレースホルダー 2">
             <a:extLst>
               <a:ext uri="{FF2B5EF4-FFF2-40B4-BE49-F238E27FC236}">
-                <a16:creationId xmlns:a16="http://schemas.microsoft.com/office/drawing/2014/main" id="{B078708E-E580-6E2B-6672-E853F6467B96}"/>
+                <a16:creationId xmlns:a16="http://schemas.microsoft.com/office/drawing/2014/main" id="{55C25455-6864-0B4A-4BD2-B7F7E3EEBB87}"/>
               </a:ext>
             </a:extLst>
           </p:cNvPr>
@@ -3850,56 +3851,23 @@
         </p:nvSpPr>
         <p:spPr/>
         <p:txBody>
-          <a:bodyPr>
-            <a:normAutofit lnSpcReduction="10000"/>
-          </a:bodyPr>
-          <a:lstStyle/>
-          <a:p>
+          <a:bodyPr/>
+          <a:lstStyle/>
+          <a:p>
+            <a:r>
+              <a:rPr lang="en-US" altLang="ja-JP" dirty="0"/>
+              <a:t>GPS</a:t>
+            </a:r>
             <a:r>
               <a:rPr lang="ja-JP" altLang="en-US" dirty="0"/>
-              <a:t>野良とてなづけた猫の見分け方　パーティクル</a:t>
-            </a:r>
+              <a:t>使用無し</a:t>
+            </a:r>
+            <a:endParaRPr lang="en-US" altLang="ja-JP" dirty="0"/>
           </a:p>
           <a:p>
             <a:r>
               <a:rPr lang="ja-JP" altLang="en-US" dirty="0"/>
-              <a:t>何人称か　一人称</a:t>
-            </a:r>
-          </a:p>
-          <a:p>
-            <a:r>
-              <a:rPr lang="ja-JP" altLang="en-US" dirty="0"/>
-              <a:t>どこをターゲットにしているか　直島で出現</a:t>
-            </a:r>
-          </a:p>
-          <a:p>
-            <a:r>
-              <a:rPr lang="ja-JP" altLang="en-US" dirty="0"/>
-              <a:t>なでたりするのか　かわいがるだけになっている</a:t>
-            </a:r>
-          </a:p>
-          <a:p>
-            <a:r>
-              <a:rPr lang="ja-JP" altLang="en-US" dirty="0"/>
-              <a:t>目的とは？　ユーザーが納得するにはどうすればいいのか</a:t>
-            </a:r>
-          </a:p>
-          <a:p>
-            <a:r>
-              <a:rPr lang="ja-JP" altLang="en-US" dirty="0"/>
-              <a:t>コレクションや、猫を増やす楽しみを増やす、育成みたいな　マーカー使用</a:t>
-            </a:r>
-          </a:p>
-          <a:p>
-            <a:r>
-              <a:rPr lang="ja-JP" altLang="en-US" dirty="0"/>
-              <a:t>直島に行く必要があるかもしれない←←←</a:t>
-            </a:r>
-          </a:p>
-          <a:p>
-            <a:r>
-              <a:rPr lang="ja-JP" altLang="en-US" dirty="0"/>
-              <a:t>グーグルマップを使うのもあり</a:t>
+              <a:t>出来るなら販売したい</a:t>
             </a:r>
             <a:endParaRPr kumimoji="1" lang="ja-JP" altLang="en-US" dirty="0"/>
           </a:p>
@@ -3908,7 +3876,7 @@
     </p:spTree>
     <p:extLst>
       <p:ext uri="{BB962C8B-B14F-4D97-AF65-F5344CB8AC3E}">
-        <p14:creationId xmlns:p14="http://schemas.microsoft.com/office/powerpoint/2010/main" val="3434199037"/>
+        <p14:creationId xmlns:p14="http://schemas.microsoft.com/office/powerpoint/2010/main" val="3404799771"/>
       </p:ext>
     </p:extLst>
   </p:cSld>
@@ -3940,6 +3908,137 @@
           <p:cNvPr id="2" name="タイトル 1">
             <a:extLst>
               <a:ext uri="{FF2B5EF4-FFF2-40B4-BE49-F238E27FC236}">
+                <a16:creationId xmlns:a16="http://schemas.microsoft.com/office/drawing/2014/main" id="{87CF26D3-EA18-2272-9D27-F174E7BB2A64}"/>
+              </a:ext>
+            </a:extLst>
+          </p:cNvPr>
+          <p:cNvSpPr>
+            <a:spLocks noGrp="1"/>
+          </p:cNvSpPr>
+          <p:nvPr>
+            <p:ph type="title"/>
+          </p:nvPr>
+        </p:nvSpPr>
+        <p:spPr/>
+        <p:txBody>
+          <a:bodyPr/>
+          <a:lstStyle/>
+          <a:p>
+            <a:r>
+              <a:rPr kumimoji="1" lang="ja-JP" altLang="en-US" dirty="0"/>
+              <a:t>メモ</a:t>
+            </a:r>
+          </a:p>
+        </p:txBody>
+      </p:sp>
+      <p:sp>
+        <p:nvSpPr>
+          <p:cNvPr id="3" name="コンテンツ プレースホルダー 2">
+            <a:extLst>
+              <a:ext uri="{FF2B5EF4-FFF2-40B4-BE49-F238E27FC236}">
+                <a16:creationId xmlns:a16="http://schemas.microsoft.com/office/drawing/2014/main" id="{B078708E-E580-6E2B-6672-E853F6467B96}"/>
+              </a:ext>
+            </a:extLst>
+          </p:cNvPr>
+          <p:cNvSpPr>
+            <a:spLocks noGrp="1"/>
+          </p:cNvSpPr>
+          <p:nvPr>
+            <p:ph idx="1"/>
+          </p:nvPr>
+        </p:nvSpPr>
+        <p:spPr/>
+        <p:txBody>
+          <a:bodyPr>
+            <a:normAutofit lnSpcReduction="10000"/>
+          </a:bodyPr>
+          <a:lstStyle/>
+          <a:p>
+            <a:r>
+              <a:rPr lang="ja-JP" altLang="en-US" dirty="0"/>
+              <a:t>野良とてなづけた猫の見分け方　パーティクル</a:t>
+            </a:r>
+          </a:p>
+          <a:p>
+            <a:r>
+              <a:rPr lang="ja-JP" altLang="en-US" dirty="0"/>
+              <a:t>何人称か　一人称</a:t>
+            </a:r>
+          </a:p>
+          <a:p>
+            <a:r>
+              <a:rPr lang="ja-JP" altLang="en-US" dirty="0"/>
+              <a:t>どこをターゲットにしているか　直島で出現</a:t>
+            </a:r>
+          </a:p>
+          <a:p>
+            <a:r>
+              <a:rPr lang="ja-JP" altLang="en-US" dirty="0"/>
+              <a:t>なでたりするのか　かわいがるだけになっている</a:t>
+            </a:r>
+          </a:p>
+          <a:p>
+            <a:r>
+              <a:rPr lang="ja-JP" altLang="en-US" dirty="0"/>
+              <a:t>目的とは？　ユーザーが納得するにはどうすればいいのか</a:t>
+            </a:r>
+          </a:p>
+          <a:p>
+            <a:r>
+              <a:rPr lang="ja-JP" altLang="en-US" dirty="0"/>
+              <a:t>コレクションや、猫を増やす楽しみを増やす、育成みたいな　マーカー使用</a:t>
+            </a:r>
+          </a:p>
+          <a:p>
+            <a:r>
+              <a:rPr lang="ja-JP" altLang="en-US" dirty="0"/>
+              <a:t>直島に行く必要があるかもしれない←←←</a:t>
+            </a:r>
+          </a:p>
+          <a:p>
+            <a:r>
+              <a:rPr lang="ja-JP" altLang="en-US" dirty="0"/>
+              <a:t>グーグルマップを使うのもあり</a:t>
+            </a:r>
+            <a:endParaRPr kumimoji="1" lang="ja-JP" altLang="en-US" dirty="0"/>
+          </a:p>
+        </p:txBody>
+      </p:sp>
+    </p:spTree>
+    <p:extLst>
+      <p:ext uri="{BB962C8B-B14F-4D97-AF65-F5344CB8AC3E}">
+        <p14:creationId xmlns:p14="http://schemas.microsoft.com/office/powerpoint/2010/main" val="3434199037"/>
+      </p:ext>
+    </p:extLst>
+  </p:cSld>
+  <p:clrMapOvr>
+    <a:masterClrMapping/>
+  </p:clrMapOvr>
+</p:sld>
+</file>
+
+<file path=ppt/slides/slide5.xml><?xml version="1.0" encoding="utf-8"?>
+<p:sld xmlns:a="http://schemas.openxmlformats.org/drawingml/2006/main" xmlns:r="http://schemas.openxmlformats.org/officeDocument/2006/relationships" xmlns:p="http://schemas.openxmlformats.org/presentationml/2006/main">
+  <p:cSld>
+    <p:spTree>
+      <p:nvGrpSpPr>
+        <p:cNvPr id="1" name=""/>
+        <p:cNvGrpSpPr/>
+        <p:nvPr/>
+      </p:nvGrpSpPr>
+      <p:grpSpPr>
+        <a:xfrm>
+          <a:off x="0" y="0"/>
+          <a:ext cx="0" cy="0"/>
+          <a:chOff x="0" y="0"/>
+          <a:chExt cx="0" cy="0"/>
+        </a:xfrm>
+      </p:grpSpPr>
+      <p:sp>
+        <p:nvSpPr>
+          <p:cNvPr id="2" name="タイトル 1">
+            <a:extLst>
+              <a:ext uri="{FF2B5EF4-FFF2-40B4-BE49-F238E27FC236}">
                 <a16:creationId xmlns:a16="http://schemas.microsoft.com/office/drawing/2014/main" id="{9D827DDC-A407-B62B-C50D-135FD2260CA8}"/>
               </a:ext>
             </a:extLst>
@@ -4058,7 +4157,7 @@
 </p:sld>
 </file>
 
-<file path=ppt/slides/slide5.xml><?xml version="1.0" encoding="utf-8"?>
+<file path=ppt/slides/slide6.xml><?xml version="1.0" encoding="utf-8"?>
 <p:sld xmlns:a="http://schemas.openxmlformats.org/drawingml/2006/main" xmlns:r="http://schemas.openxmlformats.org/officeDocument/2006/relationships" xmlns:p="http://schemas.openxmlformats.org/presentationml/2006/main">
   <p:cSld>
     <p:spTree>
